--- a/课件/杂题瞎讲 mhe.pptx
+++ b/课件/杂题瞎讲 mhe.pptx
@@ -8923,7 +8923,7 @@
           <a:p>
             <a:fld id="{D997B5FA-0921-464F-AAE1-844C04324D75}" type="datetimeFigureOut">
               <a:rPr lang="zh-CN" altLang="en-US" smtClean="0"/>
-              <a:t>2019/1/27</a:t>
+              <a:t>2022/1/3</a:t>
             </a:fld>
             <a:endParaRPr lang="zh-CN" altLang="en-US"/>
           </a:p>
@@ -9130,7 +9130,7 @@
           <a:p>
             <a:fld id="{D997B5FA-0921-464F-AAE1-844C04324D75}" type="datetimeFigureOut">
               <a:rPr lang="zh-CN" altLang="en-US" smtClean="0"/>
-              <a:t>2019/1/27</a:t>
+              <a:t>2022/1/3</a:t>
             </a:fld>
             <a:endParaRPr lang="zh-CN" altLang="en-US"/>
           </a:p>
@@ -9310,7 +9310,7 @@
           <a:p>
             <a:fld id="{D997B5FA-0921-464F-AAE1-844C04324D75}" type="datetimeFigureOut">
               <a:rPr lang="zh-CN" altLang="en-US" smtClean="0"/>
-              <a:t>2019/1/27</a:t>
+              <a:t>2022/1/3</a:t>
             </a:fld>
             <a:endParaRPr lang="zh-CN" altLang="en-US"/>
           </a:p>
@@ -9515,7 +9515,7 @@
           <a:p>
             <a:fld id="{D997B5FA-0921-464F-AAE1-844C04324D75}" type="datetimeFigureOut">
               <a:rPr lang="zh-CN" altLang="en-US" smtClean="0"/>
-              <a:t>2019/1/27</a:t>
+              <a:t>2022/1/3</a:t>
             </a:fld>
             <a:endParaRPr lang="zh-CN" altLang="en-US"/>
           </a:p>
@@ -18413,7 +18413,7 @@
           <a:p>
             <a:fld id="{D997B5FA-0921-464F-AAE1-844C04324D75}" type="datetimeFigureOut">
               <a:rPr lang="zh-CN" altLang="en-US" smtClean="0"/>
-              <a:t>2019/1/27</a:t>
+              <a:t>2022/1/3</a:t>
             </a:fld>
             <a:endParaRPr lang="zh-CN" altLang="en-US"/>
           </a:p>
@@ -18687,7 +18687,7 @@
           <a:p>
             <a:fld id="{D997B5FA-0921-464F-AAE1-844C04324D75}" type="datetimeFigureOut">
               <a:rPr lang="zh-CN" altLang="en-US" smtClean="0"/>
-              <a:t>2019/1/27</a:t>
+              <a:t>2022/1/3</a:t>
             </a:fld>
             <a:endParaRPr lang="zh-CN" altLang="en-US"/>
           </a:p>
@@ -19085,7 +19085,7 @@
           <a:p>
             <a:fld id="{D997B5FA-0921-464F-AAE1-844C04324D75}" type="datetimeFigureOut">
               <a:rPr lang="zh-CN" altLang="en-US" smtClean="0"/>
-              <a:t>2019/1/27</a:t>
+              <a:t>2022/1/3</a:t>
             </a:fld>
             <a:endParaRPr lang="zh-CN" altLang="en-US"/>
           </a:p>
@@ -19203,7 +19203,7 @@
           <a:p>
             <a:fld id="{D997B5FA-0921-464F-AAE1-844C04324D75}" type="datetimeFigureOut">
               <a:rPr lang="zh-CN" altLang="en-US" smtClean="0"/>
-              <a:t>2019/1/27</a:t>
+              <a:t>2022/1/3</a:t>
             </a:fld>
             <a:endParaRPr lang="zh-CN" altLang="en-US"/>
           </a:p>
@@ -19298,7 +19298,7 @@
           <a:p>
             <a:fld id="{D997B5FA-0921-464F-AAE1-844C04324D75}" type="datetimeFigureOut">
               <a:rPr lang="zh-CN" altLang="en-US" smtClean="0"/>
-              <a:t>2019/1/27</a:t>
+              <a:t>2022/1/3</a:t>
             </a:fld>
             <a:endParaRPr lang="zh-CN" altLang="en-US"/>
           </a:p>
@@ -19588,7 +19588,7 @@
           <a:p>
             <a:fld id="{D997B5FA-0921-464F-AAE1-844C04324D75}" type="datetimeFigureOut">
               <a:rPr lang="zh-CN" altLang="en-US" smtClean="0"/>
-              <a:t>2019/1/27</a:t>
+              <a:t>2022/1/3</a:t>
             </a:fld>
             <a:endParaRPr lang="zh-CN" altLang="en-US"/>
           </a:p>
@@ -19868,7 +19868,7 @@
           <a:p>
             <a:fld id="{D997B5FA-0921-464F-AAE1-844C04324D75}" type="datetimeFigureOut">
               <a:rPr lang="zh-CN" altLang="en-US" smtClean="0"/>
-              <a:t>2019/1/27</a:t>
+              <a:t>2022/1/3</a:t>
             </a:fld>
             <a:endParaRPr lang="zh-CN" altLang="en-US"/>
           </a:p>
@@ -20118,7 +20118,7 @@
           <a:p>
             <a:fld id="{D997B5FA-0921-464F-AAE1-844C04324D75}" type="datetimeFigureOut">
               <a:rPr lang="zh-CN" altLang="en-US" smtClean="0"/>
-              <a:t>2019/1/27</a:t>
+              <a:t>2022/1/3</a:t>
             </a:fld>
             <a:endParaRPr lang="zh-CN" altLang="en-US"/>
           </a:p>
@@ -20670,11 +20670,15 @@
           <a:lstStyle/>
           <a:p>
             <a:r>
-              <a:rPr lang="en-US" altLang="zh-CN" dirty="0"/>
+              <a:rPr lang="en-US" altLang="zh-CN" dirty="0">
+                <a:hlinkClick r:id="rId2"/>
+              </a:rPr>
               <a:t>_ </a:t>
             </a:r>
             <a:r>
-              <a:rPr lang="en-US" altLang="zh-CN" dirty="0" err="1"/>
+              <a:rPr lang="en-US" altLang="zh-CN" dirty="0" err="1">
+                <a:hlinkClick r:id="rId2"/>
+              </a:rPr>
               <a:t>whymhe</a:t>
             </a:r>
             <a:endParaRPr lang="zh-CN" altLang="en-US" dirty="0"/>
